--- a/doc/three-tier-architecture-examples/nvidia-cheminformatics-architecture-diagram.pptx
+++ b/doc/three-tier-architecture-examples/nvidia-cheminformatics-architecture-diagram.pptx
@@ -243,7 +243,7 @@
           <a:p>
             <a:fld id="{10EEF6A4-9017-AA41-B724-716C121CC8DF}" type="datetimeFigureOut">
               <a:rPr lang="en-US" smtClean="0"/>
-              <a:t>8/5/2022</a:t>
+              <a:t>1/31/2023</a:t>
             </a:fld>
             <a:endParaRPr lang="en-US"/>
           </a:p>
@@ -413,7 +413,7 @@
           <a:p>
             <a:fld id="{10EEF6A4-9017-AA41-B724-716C121CC8DF}" type="datetimeFigureOut">
               <a:rPr lang="en-US" smtClean="0"/>
-              <a:t>8/5/2022</a:t>
+              <a:t>1/31/2023</a:t>
             </a:fld>
             <a:endParaRPr lang="en-US"/>
           </a:p>
@@ -593,7 +593,7 @@
           <a:p>
             <a:fld id="{10EEF6A4-9017-AA41-B724-716C121CC8DF}" type="datetimeFigureOut">
               <a:rPr lang="en-US" smtClean="0"/>
-              <a:t>8/5/2022</a:t>
+              <a:t>1/31/2023</a:t>
             </a:fld>
             <a:endParaRPr lang="en-US"/>
           </a:p>
@@ -763,7 +763,7 @@
           <a:p>
             <a:fld id="{10EEF6A4-9017-AA41-B724-716C121CC8DF}" type="datetimeFigureOut">
               <a:rPr lang="en-US" smtClean="0"/>
-              <a:t>8/5/2022</a:t>
+              <a:t>1/31/2023</a:t>
             </a:fld>
             <a:endParaRPr lang="en-US"/>
           </a:p>
@@ -1007,7 +1007,7 @@
           <a:p>
             <a:fld id="{10EEF6A4-9017-AA41-B724-716C121CC8DF}" type="datetimeFigureOut">
               <a:rPr lang="en-US" smtClean="0"/>
-              <a:t>8/5/2022</a:t>
+              <a:t>1/31/2023</a:t>
             </a:fld>
             <a:endParaRPr lang="en-US"/>
           </a:p>
@@ -1239,7 +1239,7 @@
           <a:p>
             <a:fld id="{10EEF6A4-9017-AA41-B724-716C121CC8DF}" type="datetimeFigureOut">
               <a:rPr lang="en-US" smtClean="0"/>
-              <a:t>8/5/2022</a:t>
+              <a:t>1/31/2023</a:t>
             </a:fld>
             <a:endParaRPr lang="en-US"/>
           </a:p>
@@ -1606,7 +1606,7 @@
           <a:p>
             <a:fld id="{10EEF6A4-9017-AA41-B724-716C121CC8DF}" type="datetimeFigureOut">
               <a:rPr lang="en-US" smtClean="0"/>
-              <a:t>8/5/2022</a:t>
+              <a:t>1/31/2023</a:t>
             </a:fld>
             <a:endParaRPr lang="en-US"/>
           </a:p>
@@ -1724,7 +1724,7 @@
           <a:p>
             <a:fld id="{10EEF6A4-9017-AA41-B724-716C121CC8DF}" type="datetimeFigureOut">
               <a:rPr lang="en-US" smtClean="0"/>
-              <a:t>8/5/2022</a:t>
+              <a:t>1/31/2023</a:t>
             </a:fld>
             <a:endParaRPr lang="en-US"/>
           </a:p>
@@ -1819,7 +1819,7 @@
           <a:p>
             <a:fld id="{10EEF6A4-9017-AA41-B724-716C121CC8DF}" type="datetimeFigureOut">
               <a:rPr lang="en-US" smtClean="0"/>
-              <a:t>8/5/2022</a:t>
+              <a:t>1/31/2023</a:t>
             </a:fld>
             <a:endParaRPr lang="en-US"/>
           </a:p>
@@ -2096,7 +2096,7 @@
           <a:p>
             <a:fld id="{10EEF6A4-9017-AA41-B724-716C121CC8DF}" type="datetimeFigureOut">
               <a:rPr lang="en-US" smtClean="0"/>
-              <a:t>8/5/2022</a:t>
+              <a:t>1/31/2023</a:t>
             </a:fld>
             <a:endParaRPr lang="en-US"/>
           </a:p>
@@ -2353,7 +2353,7 @@
           <a:p>
             <a:fld id="{10EEF6A4-9017-AA41-B724-716C121CC8DF}" type="datetimeFigureOut">
               <a:rPr lang="en-US" smtClean="0"/>
-              <a:t>8/5/2022</a:t>
+              <a:t>1/31/2023</a:t>
             </a:fld>
             <a:endParaRPr lang="en-US"/>
           </a:p>
@@ -2566,7 +2566,7 @@
           <a:p>
             <a:fld id="{10EEF6A4-9017-AA41-B724-716C121CC8DF}" type="datetimeFigureOut">
               <a:rPr lang="en-US" smtClean="0"/>
-              <a:t>8/5/2022</a:t>
+              <a:t>1/31/2023</a:t>
             </a:fld>
             <a:endParaRPr lang="en-US"/>
           </a:p>
@@ -3044,106 +3044,6 @@
       </p:sp>
       <p:sp>
         <p:nvSpPr>
-          <p:cNvPr id="8" name="Rectangle 7">
-            <a:extLst>
-              <a:ext uri="{FF2B5EF4-FFF2-40B4-BE49-F238E27FC236}">
-                <a16:creationId xmlns:a16="http://schemas.microsoft.com/office/drawing/2014/main" id="{1340AE64-8C1B-574C-9A99-36EF99C39B2D}"/>
-              </a:ext>
-            </a:extLst>
-          </p:cNvPr>
-          <p:cNvSpPr/>
-          <p:nvPr/>
-        </p:nvSpPr>
-        <p:spPr>
-          <a:xfrm>
-            <a:off x="5299710" y="4572000"/>
-            <a:ext cx="8732521" cy="6096000"/>
-          </a:xfrm>
-          <a:prstGeom prst="rect">
-            <a:avLst/>
-          </a:prstGeom>
-          <a:noFill/>
-          <a:ln w="12700">
-            <a:solidFill>
-              <a:srgbClr val="1E8900"/>
-            </a:solidFill>
-          </a:ln>
-        </p:spPr>
-        <p:style>
-          <a:lnRef idx="2">
-            <a:schemeClr val="accent1">
-              <a:shade val="50000"/>
-            </a:schemeClr>
-          </a:lnRef>
-          <a:fillRef idx="1">
-            <a:schemeClr val="accent1"/>
-          </a:fillRef>
-          <a:effectRef idx="0">
-            <a:schemeClr val="accent1"/>
-          </a:effectRef>
-          <a:fontRef idx="minor">
-            <a:schemeClr val="lt1"/>
-          </a:fontRef>
-        </p:style>
-        <p:txBody>
-          <a:bodyPr lIns="502920" tIns="91440"/>
-          <a:lstStyle/>
-          <a:p>
-            <a:pPr>
-              <a:defRPr/>
-            </a:pPr>
-            <a:r>
-              <a:rPr lang="en-US" sz="1200" dirty="0">
-                <a:ln w="0"/>
-                <a:solidFill>
-                  <a:srgbClr val="1E8900"/>
-                </a:solidFill>
-                <a:latin typeface="Arial" panose="020B0604020202020204" pitchFamily="34" charset="0"/>
-                <a:cs typeface="Arial" panose="020B0604020202020204" pitchFamily="34" charset="0"/>
-              </a:rPr>
-              <a:t>VPC</a:t>
-            </a:r>
-          </a:p>
-        </p:txBody>
-      </p:sp>
-      <p:pic>
-        <p:nvPicPr>
-          <p:cNvPr id="9" name="Graphic 8">
-            <a:extLst>
-              <a:ext uri="{FF2B5EF4-FFF2-40B4-BE49-F238E27FC236}">
-                <a16:creationId xmlns:a16="http://schemas.microsoft.com/office/drawing/2014/main" id="{2E825676-1C42-6648-966C-F860C1B20DC0}"/>
-              </a:ext>
-            </a:extLst>
-          </p:cNvPr>
-          <p:cNvPicPr>
-            <a:picLocks noChangeAspect="1"/>
-          </p:cNvPicPr>
-          <p:nvPr/>
-        </p:nvPicPr>
-        <p:blipFill>
-          <a:blip r:embed="rId2">
-            <a:extLst>
-              <a:ext uri="{96DAC541-7B7A-43D3-8B79-37D633B846F1}">
-                <asvg:svgBlip xmlns:asvg="http://schemas.microsoft.com/office/drawing/2016/SVG/main" r:embed="rId3"/>
-              </a:ext>
-            </a:extLst>
-          </a:blip>
-          <a:stretch>
-            <a:fillRect/>
-          </a:stretch>
-        </p:blipFill>
-        <p:spPr>
-          <a:xfrm>
-            <a:off x="5299710" y="4572000"/>
-            <a:ext cx="381000" cy="381000"/>
-          </a:xfrm>
-          <a:prstGeom prst="rect">
-            <a:avLst/>
-          </a:prstGeom>
-        </p:spPr>
-      </p:pic>
-      <p:sp>
-        <p:nvSpPr>
           <p:cNvPr id="11" name="Rectangle 10">
             <a:extLst>
               <a:ext uri="{FF2B5EF4-FFF2-40B4-BE49-F238E27FC236}">
@@ -3223,10 +3123,10 @@
           <p:nvPr/>
         </p:nvPicPr>
         <p:blipFill>
-          <a:blip r:embed="rId4">
+          <a:blip r:embed="rId2">
             <a:extLst>
               <a:ext uri="{96DAC541-7B7A-43D3-8B79-37D633B846F1}">
-                <asvg:svgBlip xmlns:asvg="http://schemas.microsoft.com/office/drawing/2016/SVG/main" r:embed="rId5"/>
+                <asvg:svgBlip xmlns:asvg="http://schemas.microsoft.com/office/drawing/2016/SVG/main" r:embed="rId3"/>
               </a:ext>
             </a:extLst>
           </a:blip>
@@ -3325,10 +3225,10 @@
           <p:nvPr/>
         </p:nvPicPr>
         <p:blipFill>
-          <a:blip r:embed="rId6">
+          <a:blip r:embed="rId4">
             <a:extLst>
               <a:ext uri="{96DAC541-7B7A-43D3-8B79-37D633B846F1}">
-                <asvg:svgBlip xmlns:asvg="http://schemas.microsoft.com/office/drawing/2016/SVG/main" r:embed="rId7"/>
+                <asvg:svgBlip xmlns:asvg="http://schemas.microsoft.com/office/drawing/2016/SVG/main" r:embed="rId5"/>
               </a:ext>
             </a:extLst>
           </a:blip>
@@ -5025,7 +4925,7 @@
           <p:nvPr/>
         </p:nvPicPr>
         <p:blipFill>
-          <a:blip r:embed="rId8">
+          <a:blip r:embed="rId6">
             <a:extLst>
               <a:ext uri="{28A0092B-C50C-407E-A947-70E740481C1C}">
                 <a14:useLocalDpi xmlns:a14="http://schemas.microsoft.com/office/drawing/2010/main" val="0"/>
@@ -5085,10 +4985,10 @@
           <p:nvPr/>
         </p:nvPicPr>
         <p:blipFill>
-          <a:blip r:embed="rId9">
+          <a:blip r:embed="rId7">
             <a:extLst>
               <a:ext uri="{96DAC541-7B7A-43D3-8B79-37D633B846F1}">
-                <asvg:svgBlip xmlns:asvg="http://schemas.microsoft.com/office/drawing/2016/SVG/main" r:embed="rId10"/>
+                <asvg:svgBlip xmlns:asvg="http://schemas.microsoft.com/office/drawing/2016/SVG/main" r:embed="rId8"/>
               </a:ext>
             </a:extLst>
           </a:blip>
@@ -5143,7 +5043,7 @@
           <p:nvPr/>
         </p:nvPicPr>
         <p:blipFill>
-          <a:blip r:embed="rId11">
+          <a:blip r:embed="rId9">
             <a:extLst>
               <a:ext uri="{28A0092B-C50C-407E-A947-70E740481C1C}">
                 <a14:useLocalDpi xmlns:a14="http://schemas.microsoft.com/office/drawing/2010/main" val="0"/>
@@ -5203,7 +5103,7 @@
           <p:nvPr/>
         </p:nvPicPr>
         <p:blipFill>
-          <a:blip r:embed="rId11">
+          <a:blip r:embed="rId9">
             <a:extLst>
               <a:ext uri="{28A0092B-C50C-407E-A947-70E740481C1C}">
                 <a14:useLocalDpi xmlns:a14="http://schemas.microsoft.com/office/drawing/2010/main" val="0"/>
@@ -5263,7 +5163,7 @@
           <p:nvPr/>
         </p:nvPicPr>
         <p:blipFill>
-          <a:blip r:embed="rId12">
+          <a:blip r:embed="rId10">
             <a:extLst>
               <a:ext uri="{28A0092B-C50C-407E-A947-70E740481C1C}">
                 <a14:useLocalDpi xmlns:a14="http://schemas.microsoft.com/office/drawing/2010/main" val="0"/>
@@ -5323,7 +5223,7 @@
           <p:nvPr/>
         </p:nvPicPr>
         <p:blipFill>
-          <a:blip r:embed="rId12">
+          <a:blip r:embed="rId10">
             <a:extLst>
               <a:ext uri="{28A0092B-C50C-407E-A947-70E740481C1C}">
                 <a14:useLocalDpi xmlns:a14="http://schemas.microsoft.com/office/drawing/2010/main" val="0"/>
@@ -5383,7 +5283,7 @@
           <p:nvPr/>
         </p:nvPicPr>
         <p:blipFill>
-          <a:blip r:embed="rId13">
+          <a:blip r:embed="rId11">
             <a:extLst>
               <a:ext uri="{28A0092B-C50C-407E-A947-70E740481C1C}">
                 <a14:useLocalDpi xmlns:a14="http://schemas.microsoft.com/office/drawing/2010/main" val="0"/>
@@ -5443,7 +5343,7 @@
           <p:nvPr/>
         </p:nvPicPr>
         <p:blipFill>
-          <a:blip r:embed="rId13">
+          <a:blip r:embed="rId11">
             <a:extLst>
               <a:ext uri="{28A0092B-C50C-407E-A947-70E740481C1C}">
                 <a14:useLocalDpi xmlns:a14="http://schemas.microsoft.com/office/drawing/2010/main" val="0"/>
@@ -5503,7 +5403,7 @@
           <p:nvPr/>
         </p:nvPicPr>
         <p:blipFill>
-          <a:blip r:embed="rId14">
+          <a:blip r:embed="rId12">
             <a:extLst>
               <a:ext uri="{28A0092B-C50C-407E-A947-70E740481C1C}">
                 <a14:useLocalDpi xmlns:a14="http://schemas.microsoft.com/office/drawing/2010/main" val="0"/>
@@ -5563,7 +5463,7 @@
           <p:nvPr/>
         </p:nvPicPr>
         <p:blipFill>
-          <a:blip r:embed="rId15">
+          <a:blip r:embed="rId13">
             <a:extLst>
               <a:ext uri="{28A0092B-C50C-407E-A947-70E740481C1C}">
                 <a14:useLocalDpi xmlns:a14="http://schemas.microsoft.com/office/drawing/2010/main" val="0"/>
@@ -5623,7 +5523,7 @@
           <p:nvPr/>
         </p:nvPicPr>
         <p:blipFill>
-          <a:blip r:embed="rId16">
+          <a:blip r:embed="rId14">
             <a:extLst>
               <a:ext uri="{28A0092B-C50C-407E-A947-70E740481C1C}">
                 <a14:useLocalDpi xmlns:a14="http://schemas.microsoft.com/office/drawing/2010/main" val="0"/>
@@ -5763,7 +5663,7 @@
           <p:nvPr/>
         </p:nvPicPr>
         <p:blipFill>
-          <a:blip r:embed="rId17">
+          <a:blip r:embed="rId15">
             <a:extLst>
               <a:ext uri="{28A0092B-C50C-407E-A947-70E740481C1C}">
                 <a14:useLocalDpi xmlns:a14="http://schemas.microsoft.com/office/drawing/2010/main" val="0"/>
@@ -5886,10 +5786,10 @@
           <p:nvPr/>
         </p:nvPicPr>
         <p:blipFill>
-          <a:blip r:embed="rId18">
+          <a:blip r:embed="rId16">
             <a:extLst>
               <a:ext uri="{96DAC541-7B7A-43D3-8B79-37D633B846F1}">
-                <asvg:svgBlip xmlns:asvg="http://schemas.microsoft.com/office/drawing/2016/SVG/main" r:embed="rId19"/>
+                <asvg:svgBlip xmlns:asvg="http://schemas.microsoft.com/office/drawing/2016/SVG/main" r:embed="rId17"/>
               </a:ext>
             </a:extLst>
           </a:blip>
@@ -5921,7 +5821,7 @@
           <p:nvPr/>
         </p:nvPicPr>
         <p:blipFill>
-          <a:blip r:embed="rId20">
+          <a:blip r:embed="rId18">
             <a:extLst>
               <a:ext uri="{28A0092B-C50C-407E-A947-70E740481C1C}">
                 <a14:useLocalDpi xmlns:a14="http://schemas.microsoft.com/office/drawing/2010/main" val="0"/>
@@ -6087,10 +5987,10 @@
           <p:nvPr/>
         </p:nvPicPr>
         <p:blipFill>
-          <a:blip r:embed="rId21">
+          <a:blip r:embed="rId19">
             <a:extLst>
               <a:ext uri="{96DAC541-7B7A-43D3-8B79-37D633B846F1}">
-                <asvg:svgBlip xmlns:asvg="http://schemas.microsoft.com/office/drawing/2016/SVG/main" r:embed="rId22"/>
+                <asvg:svgBlip xmlns:asvg="http://schemas.microsoft.com/office/drawing/2016/SVG/main" r:embed="rId20"/>
               </a:ext>
             </a:extLst>
           </a:blip>
@@ -6412,10 +6312,10 @@
           <p:nvPr/>
         </p:nvPicPr>
         <p:blipFill>
-          <a:blip r:embed="rId4">
+          <a:blip r:embed="rId2">
             <a:extLst>
               <a:ext uri="{96DAC541-7B7A-43D3-8B79-37D633B846F1}">
-                <asvg:svgBlip xmlns:asvg="http://schemas.microsoft.com/office/drawing/2016/SVG/main" r:embed="rId5"/>
+                <asvg:svgBlip xmlns:asvg="http://schemas.microsoft.com/office/drawing/2016/SVG/main" r:embed="rId3"/>
               </a:ext>
             </a:extLst>
           </a:blip>
@@ -6514,10 +6414,10 @@
           <p:nvPr/>
         </p:nvPicPr>
         <p:blipFill>
-          <a:blip r:embed="rId6">
+          <a:blip r:embed="rId4">
             <a:extLst>
               <a:ext uri="{96DAC541-7B7A-43D3-8B79-37D633B846F1}">
-                <asvg:svgBlip xmlns:asvg="http://schemas.microsoft.com/office/drawing/2016/SVG/main" r:embed="rId7"/>
+                <asvg:svgBlip xmlns:asvg="http://schemas.microsoft.com/office/drawing/2016/SVG/main" r:embed="rId5"/>
               </a:ext>
             </a:extLst>
           </a:blip>
@@ -7394,10 +7294,10 @@
           <p:nvPr/>
         </p:nvPicPr>
         <p:blipFill>
-          <a:blip r:embed="rId9">
+          <a:blip r:embed="rId7">
             <a:extLst>
               <a:ext uri="{96DAC541-7B7A-43D3-8B79-37D633B846F1}">
-                <asvg:svgBlip xmlns:asvg="http://schemas.microsoft.com/office/drawing/2016/SVG/main" r:embed="rId10"/>
+                <asvg:svgBlip xmlns:asvg="http://schemas.microsoft.com/office/drawing/2016/SVG/main" r:embed="rId8"/>
               </a:ext>
             </a:extLst>
           </a:blip>
@@ -7452,7 +7352,7 @@
           <p:nvPr/>
         </p:nvPicPr>
         <p:blipFill>
-          <a:blip r:embed="rId11">
+          <a:blip r:embed="rId9">
             <a:extLst>
               <a:ext uri="{28A0092B-C50C-407E-A947-70E740481C1C}">
                 <a14:useLocalDpi xmlns:a14="http://schemas.microsoft.com/office/drawing/2010/main" val="0"/>
@@ -7512,7 +7412,7 @@
           <p:nvPr/>
         </p:nvPicPr>
         <p:blipFill>
-          <a:blip r:embed="rId11">
+          <a:blip r:embed="rId9">
             <a:extLst>
               <a:ext uri="{28A0092B-C50C-407E-A947-70E740481C1C}">
                 <a14:useLocalDpi xmlns:a14="http://schemas.microsoft.com/office/drawing/2010/main" val="0"/>
@@ -7572,7 +7472,7 @@
           <p:nvPr/>
         </p:nvPicPr>
         <p:blipFill>
-          <a:blip r:embed="rId12">
+          <a:blip r:embed="rId10">
             <a:extLst>
               <a:ext uri="{28A0092B-C50C-407E-A947-70E740481C1C}">
                 <a14:useLocalDpi xmlns:a14="http://schemas.microsoft.com/office/drawing/2010/main" val="0"/>
@@ -7632,7 +7532,7 @@
           <p:nvPr/>
         </p:nvPicPr>
         <p:blipFill>
-          <a:blip r:embed="rId12">
+          <a:blip r:embed="rId10">
             <a:extLst>
               <a:ext uri="{28A0092B-C50C-407E-A947-70E740481C1C}">
                 <a14:useLocalDpi xmlns:a14="http://schemas.microsoft.com/office/drawing/2010/main" val="0"/>
@@ -7692,7 +7592,7 @@
           <p:nvPr/>
         </p:nvPicPr>
         <p:blipFill>
-          <a:blip r:embed="rId20">
+          <a:blip r:embed="rId18">
             <a:extLst>
               <a:ext uri="{28A0092B-C50C-407E-A947-70E740481C1C}">
                 <a14:useLocalDpi xmlns:a14="http://schemas.microsoft.com/office/drawing/2010/main" val="0"/>
@@ -7735,6 +7635,111 @@
               </a14:hiddenLine>
             </a:ext>
           </a:extLst>
+        </p:spPr>
+      </p:pic>
+      <p:sp>
+        <p:nvSpPr>
+          <p:cNvPr id="60" name="Rectangle 59">
+            <a:extLst>
+              <a:ext uri="{FF2B5EF4-FFF2-40B4-BE49-F238E27FC236}">
+                <a16:creationId xmlns:a16="http://schemas.microsoft.com/office/drawing/2014/main" id="{30C3C6E0-AA01-420A-B651-E7EEACA42A3F}"/>
+              </a:ext>
+            </a:extLst>
+          </p:cNvPr>
+          <p:cNvSpPr/>
+          <p:nvPr/>
+        </p:nvSpPr>
+        <p:spPr bwMode="auto">
+          <a:xfrm>
+            <a:off x="5306249" y="4572854"/>
+            <a:ext cx="8725981" cy="6095145"/>
+          </a:xfrm>
+          <a:prstGeom prst="rect">
+            <a:avLst/>
+          </a:prstGeom>
+          <a:noFill/>
+          <a:ln w="12700">
+            <a:solidFill>
+              <a:srgbClr val="693BC5"/>
+            </a:solidFill>
+          </a:ln>
+        </p:spPr>
+        <p:style>
+          <a:lnRef idx="2">
+            <a:schemeClr val="accent1">
+              <a:shade val="50000"/>
+            </a:schemeClr>
+          </a:lnRef>
+          <a:fillRef idx="1">
+            <a:schemeClr val="accent1"/>
+          </a:fillRef>
+          <a:effectRef idx="0">
+            <a:schemeClr val="accent1"/>
+          </a:effectRef>
+          <a:fontRef idx="minor">
+            <a:schemeClr val="lt1"/>
+          </a:fontRef>
+        </p:style>
+        <p:txBody>
+          <a:bodyPr lIns="502920" tIns="91440"/>
+          <a:lstStyle/>
+          <a:p>
+            <a:pPr eaLnBrk="1" fontAlgn="auto" hangingPunct="1">
+              <a:spcBef>
+                <a:spcPts val="0"/>
+              </a:spcBef>
+              <a:spcAft>
+                <a:spcPts val="0"/>
+              </a:spcAft>
+              <a:defRPr/>
+            </a:pPr>
+            <a:r>
+              <a:rPr lang="en-US" sz="1200" dirty="0">
+                <a:ln w="0"/>
+                <a:solidFill>
+                  <a:srgbClr val="693BC5"/>
+                </a:solidFill>
+                <a:latin typeface="Arial" panose="020B0604020202020204" pitchFamily="34" charset="0"/>
+                <a:cs typeface="Arial" panose="020B0604020202020204" pitchFamily="34" charset="0"/>
+              </a:rPr>
+              <a:t>VPC</a:t>
+            </a:r>
+          </a:p>
+        </p:txBody>
+      </p:sp>
+      <p:pic>
+        <p:nvPicPr>
+          <p:cNvPr id="64" name="Graphic 63">
+            <a:extLst>
+              <a:ext uri="{FF2B5EF4-FFF2-40B4-BE49-F238E27FC236}">
+                <a16:creationId xmlns:a16="http://schemas.microsoft.com/office/drawing/2014/main" id="{AE6CCE85-A2F6-48F7-BE42-1C8DF8E8CE85}"/>
+              </a:ext>
+            </a:extLst>
+          </p:cNvPr>
+          <p:cNvPicPr>
+            <a:picLocks noChangeAspect="1"/>
+          </p:cNvPicPr>
+          <p:nvPr/>
+        </p:nvPicPr>
+        <p:blipFill>
+          <a:blip r:embed="rId21">
+            <a:extLst>
+              <a:ext uri="{96DAC541-7B7A-43D3-8B79-37D633B846F1}">
+                <asvg:svgBlip xmlns:asvg="http://schemas.microsoft.com/office/drawing/2016/SVG/main" r:embed="rId22"/>
+              </a:ext>
+            </a:extLst>
+          </a:blip>
+          <a:srcRect/>
+          <a:stretch/>
+        </p:blipFill>
+        <p:spPr>
+          <a:xfrm>
+            <a:off x="5307837" y="4572854"/>
+            <a:ext cx="381000" cy="381000"/>
+          </a:xfrm>
+          <a:prstGeom prst="rect">
+            <a:avLst/>
+          </a:prstGeom>
         </p:spPr>
       </p:pic>
     </p:spTree>
